--- a/static/uploads/slides/ppt/Systems Mapping.pptx
+++ b/static/uploads/slides/ppt/Systems Mapping.pptx
@@ -3183,9 +3183,9 @@
         <p:grpSpPr>
           <a:xfrm>
             <a:off x="-74732" y="-65862"/>
-            <a:ext cx="24521874" cy="13484677"/>
+            <a:ext cx="27254542" cy="13570729"/>
             <a:chOff x="-74732" y="-65862"/>
-            <a:chExt cx="24521874" cy="13484677"/>
+            <a:chExt cx="27254542" cy="13570729"/>
           </a:xfrm>
         </p:grpSpPr>
         <p:sp>
@@ -3560,8 +3560,8 @@
           </p:nvSpPr>
           <p:spPr>
             <a:xfrm>
-              <a:off x="16218246" y="12351216"/>
-              <a:ext cx="7646388" cy="1067599"/>
+              <a:off x="15225822" y="12745045"/>
+              <a:ext cx="11953988" cy="759822"/>
             </a:xfrm>
             <a:prstGeom prst="rect">
               <a:avLst/>
@@ -3576,12 +3576,12 @@
             </a:extLst>
           </p:spPr>
           <p:txBody>
-            <a:bodyPr wrap="none" lIns="71437" tIns="71437" rIns="71437" bIns="71437" anchor="ctr">
+            <a:bodyPr wrap="square" lIns="71437" tIns="71437" rIns="71437" bIns="71437" anchor="ctr">
               <a:spAutoFit/>
             </a:bodyPr>
             <a:lstStyle/>
             <a:p>
-              <a:pPr algn="r">
+              <a:pPr algn="l">
                 <a:defRPr sz="2000" b="0">
                   <a:solidFill>
                     <a:srgbClr val="919191"/>
@@ -3616,19 +3616,6 @@
                 <a:rPr lang="en-AU" dirty="0"/>
                 <a:t>/@</a:t>
               </a:r>
-            </a:p>
-            <a:p>
-              <a:pPr algn="r">
-                <a:defRPr sz="2000" b="0">
-                  <a:solidFill>
-                    <a:srgbClr val="919191"/>
-                  </a:solidFill>
-                  <a:latin typeface="Montserrat Medium"/>
-                  <a:ea typeface="Montserrat Medium"/>
-                  <a:cs typeface="Montserrat Medium"/>
-                  <a:sym typeface="Montserrat Medium"/>
-                </a:defRPr>
-              </a:pPr>
               <a:r>
                 <a:rPr lang="en-AU" dirty="0" err="1"/>
                 <a:t>barkiple</a:t>
@@ -3636,7 +3623,7 @@
               <a:endParaRPr lang="en-AU" dirty="0"/>
             </a:p>
             <a:p>
-              <a:pPr algn="r">
+              <a:pPr algn="l">
                 <a:defRPr sz="2000" b="0">
                   <a:solidFill>
                     <a:srgbClr val="919191"/>
@@ -6991,10 +6978,10 @@
       </p:sp>
       <p:sp>
         <p:nvSpPr>
-          <p:cNvPr id="39" name="Shape 127">
+          <p:cNvPr id="40" name="Shape 127">
             <a:extLst>
               <a:ext uri="{FF2B5EF4-FFF2-40B4-BE49-F238E27FC236}">
-                <a16:creationId xmlns:a16="http://schemas.microsoft.com/office/drawing/2014/main" id="{73FCF357-599D-3C46-9C78-B85757C78479}"/>
+                <a16:creationId xmlns:a16="http://schemas.microsoft.com/office/drawing/2014/main" id="{51317502-DB29-2146-A2C1-1F671CB98D58}"/>
               </a:ext>
             </a:extLst>
           </p:cNvPr>
@@ -7003,8 +6990,8 @@
         </p:nvSpPr>
         <p:spPr>
           <a:xfrm>
-            <a:off x="16218246" y="12351216"/>
-            <a:ext cx="7646388" cy="1067599"/>
+            <a:off x="15225822" y="12745045"/>
+            <a:ext cx="11953988" cy="759822"/>
           </a:xfrm>
           <a:prstGeom prst="rect">
             <a:avLst/>
@@ -7019,12 +7006,12 @@
           </a:extLst>
         </p:spPr>
         <p:txBody>
-          <a:bodyPr wrap="none" lIns="71437" tIns="71437" rIns="71437" bIns="71437" anchor="ctr">
+          <a:bodyPr wrap="square" lIns="71437" tIns="71437" rIns="71437" bIns="71437" anchor="ctr">
             <a:spAutoFit/>
           </a:bodyPr>
           <a:lstStyle/>
           <a:p>
-            <a:pPr algn="r">
+            <a:pPr algn="l">
               <a:defRPr sz="2000" b="0">
                 <a:solidFill>
                   <a:srgbClr val="919191"/>
@@ -7059,19 +7046,6 @@
               <a:rPr lang="en-AU" dirty="0"/>
               <a:t>/@</a:t>
             </a:r>
-          </a:p>
-          <a:p>
-            <a:pPr algn="r">
-              <a:defRPr sz="2000" b="0">
-                <a:solidFill>
-                  <a:srgbClr val="919191"/>
-                </a:solidFill>
-                <a:latin typeface="Montserrat Medium"/>
-                <a:ea typeface="Montserrat Medium"/>
-                <a:cs typeface="Montserrat Medium"/>
-                <a:sym typeface="Montserrat Medium"/>
-              </a:defRPr>
-            </a:pPr>
             <a:r>
               <a:rPr lang="en-AU" dirty="0" err="1"/>
               <a:t>barkiple</a:t>
@@ -7079,7 +7053,7 @@
             <a:endParaRPr lang="en-AU" dirty="0"/>
           </a:p>
           <a:p>
-            <a:pPr algn="r">
+            <a:pPr algn="l">
               <a:defRPr sz="2000" b="0">
                 <a:solidFill>
                   <a:srgbClr val="919191"/>
@@ -8969,10 +8943,10 @@
       </p:sp>
       <p:sp>
         <p:nvSpPr>
-          <p:cNvPr id="39" name="Shape 127">
+          <p:cNvPr id="38" name="Shape 127">
             <a:extLst>
               <a:ext uri="{FF2B5EF4-FFF2-40B4-BE49-F238E27FC236}">
-                <a16:creationId xmlns:a16="http://schemas.microsoft.com/office/drawing/2014/main" id="{73FCF357-599D-3C46-9C78-B85757C78479}"/>
+                <a16:creationId xmlns:a16="http://schemas.microsoft.com/office/drawing/2014/main" id="{0CB28897-1820-5045-9A14-AAD7090F7582}"/>
               </a:ext>
             </a:extLst>
           </p:cNvPr>
@@ -8981,8 +8955,8 @@
         </p:nvSpPr>
         <p:spPr>
           <a:xfrm>
-            <a:off x="16218246" y="12351216"/>
-            <a:ext cx="7646388" cy="1067599"/>
+            <a:off x="15225822" y="12745045"/>
+            <a:ext cx="11953988" cy="759822"/>
           </a:xfrm>
           <a:prstGeom prst="rect">
             <a:avLst/>
@@ -8992,17 +8966,17 @@
           </a:ln>
           <a:extLst>
             <a:ext uri="{C572A759-6A51-4108-AA02-DFA0A04FC94B}">
-              <ma14:wrappingTextBoxFlag xmlns="" xmlns:ma14="http://schemas.microsoft.com/office/mac/drawingml/2011/main" val="1"/>
+              <ma14:wrappingTextBoxFlag xmlns:ma14="http://schemas.microsoft.com/office/mac/drawingml/2011/main" xmlns="" val="1"/>
             </a:ext>
           </a:extLst>
         </p:spPr>
         <p:txBody>
-          <a:bodyPr wrap="none" lIns="71437" tIns="71437" rIns="71437" bIns="71437" anchor="ctr">
+          <a:bodyPr wrap="square" lIns="71437" tIns="71437" rIns="71437" bIns="71437" anchor="ctr">
             <a:spAutoFit/>
           </a:bodyPr>
           <a:lstStyle/>
           <a:p>
-            <a:pPr algn="r">
+            <a:pPr algn="l">
               <a:defRPr sz="2000" b="0">
                 <a:solidFill>
                   <a:srgbClr val="919191"/>
@@ -9037,19 +9011,6 @@
               <a:rPr lang="en-AU" dirty="0"/>
               <a:t>/@</a:t>
             </a:r>
-          </a:p>
-          <a:p>
-            <a:pPr algn="r">
-              <a:defRPr sz="2000" b="0">
-                <a:solidFill>
-                  <a:srgbClr val="919191"/>
-                </a:solidFill>
-                <a:latin typeface="Montserrat Medium"/>
-                <a:ea typeface="Montserrat Medium"/>
-                <a:cs typeface="Montserrat Medium"/>
-                <a:sym typeface="Montserrat Medium"/>
-              </a:defRPr>
-            </a:pPr>
             <a:r>
               <a:rPr lang="en-AU" dirty="0" err="1"/>
               <a:t>barkiple</a:t>
@@ -9057,7 +9018,7 @@
             <a:endParaRPr lang="en-AU" dirty="0"/>
           </a:p>
           <a:p>
-            <a:pPr algn="r">
+            <a:pPr algn="l">
               <a:defRPr sz="2000" b="0">
                 <a:solidFill>
                   <a:srgbClr val="919191"/>
@@ -10952,10 +10913,10 @@
       </p:sp>
       <p:sp>
         <p:nvSpPr>
-          <p:cNvPr id="39" name="Shape 127">
+          <p:cNvPr id="38" name="Shape 127">
             <a:extLst>
               <a:ext uri="{FF2B5EF4-FFF2-40B4-BE49-F238E27FC236}">
-                <a16:creationId xmlns:a16="http://schemas.microsoft.com/office/drawing/2014/main" id="{73FCF357-599D-3C46-9C78-B85757C78479}"/>
+                <a16:creationId xmlns:a16="http://schemas.microsoft.com/office/drawing/2014/main" id="{F4B41EDE-1AED-9941-8D05-49831769B738}"/>
               </a:ext>
             </a:extLst>
           </p:cNvPr>
@@ -10964,8 +10925,8 @@
         </p:nvSpPr>
         <p:spPr>
           <a:xfrm>
-            <a:off x="16218246" y="12351216"/>
-            <a:ext cx="7646388" cy="1067599"/>
+            <a:off x="15225822" y="12745045"/>
+            <a:ext cx="11953988" cy="759822"/>
           </a:xfrm>
           <a:prstGeom prst="rect">
             <a:avLst/>
@@ -10980,12 +10941,12 @@
           </a:extLst>
         </p:spPr>
         <p:txBody>
-          <a:bodyPr wrap="none" lIns="71437" tIns="71437" rIns="71437" bIns="71437" anchor="ctr">
+          <a:bodyPr wrap="square" lIns="71437" tIns="71437" rIns="71437" bIns="71437" anchor="ctr">
             <a:spAutoFit/>
           </a:bodyPr>
           <a:lstStyle/>
           <a:p>
-            <a:pPr algn="r">
+            <a:pPr algn="l">
               <a:defRPr sz="2000" b="0">
                 <a:solidFill>
                   <a:srgbClr val="919191"/>
@@ -11020,19 +10981,6 @@
               <a:rPr lang="en-AU" dirty="0"/>
               <a:t>/@</a:t>
             </a:r>
-          </a:p>
-          <a:p>
-            <a:pPr algn="r">
-              <a:defRPr sz="2000" b="0">
-                <a:solidFill>
-                  <a:srgbClr val="919191"/>
-                </a:solidFill>
-                <a:latin typeface="Montserrat Medium"/>
-                <a:ea typeface="Montserrat Medium"/>
-                <a:cs typeface="Montserrat Medium"/>
-                <a:sym typeface="Montserrat Medium"/>
-              </a:defRPr>
-            </a:pPr>
             <a:r>
               <a:rPr lang="en-AU" dirty="0" err="1"/>
               <a:t>barkiple</a:t>
@@ -11040,7 +10988,7 @@
             <a:endParaRPr lang="en-AU" dirty="0"/>
           </a:p>
           <a:p>
-            <a:pPr algn="r">
+            <a:pPr algn="l">
               <a:defRPr sz="2000" b="0">
                 <a:solidFill>
                   <a:srgbClr val="919191"/>
@@ -12936,10 +12884,10 @@
       </p:sp>
       <p:sp>
         <p:nvSpPr>
-          <p:cNvPr id="39" name="Shape 127">
+          <p:cNvPr id="38" name="Shape 127">
             <a:extLst>
               <a:ext uri="{FF2B5EF4-FFF2-40B4-BE49-F238E27FC236}">
-                <a16:creationId xmlns:a16="http://schemas.microsoft.com/office/drawing/2014/main" id="{73FCF357-599D-3C46-9C78-B85757C78479}"/>
+                <a16:creationId xmlns:a16="http://schemas.microsoft.com/office/drawing/2014/main" id="{D47D4E6F-C5F3-9249-A1B0-441476701EE4}"/>
               </a:ext>
             </a:extLst>
           </p:cNvPr>
@@ -12948,8 +12896,8 @@
         </p:nvSpPr>
         <p:spPr>
           <a:xfrm>
-            <a:off x="16218246" y="12351216"/>
-            <a:ext cx="7646388" cy="1067599"/>
+            <a:off x="15225822" y="12745045"/>
+            <a:ext cx="11953988" cy="759822"/>
           </a:xfrm>
           <a:prstGeom prst="rect">
             <a:avLst/>
@@ -12959,17 +12907,17 @@
           </a:ln>
           <a:extLst>
             <a:ext uri="{C572A759-6A51-4108-AA02-DFA0A04FC94B}">
-              <ma14:wrappingTextBoxFlag xmlns="" xmlns:ma14="http://schemas.microsoft.com/office/mac/drawingml/2011/main" val="1"/>
+              <ma14:wrappingTextBoxFlag xmlns:ma14="http://schemas.microsoft.com/office/mac/drawingml/2011/main" xmlns="" val="1"/>
             </a:ext>
           </a:extLst>
         </p:spPr>
         <p:txBody>
-          <a:bodyPr wrap="none" lIns="71437" tIns="71437" rIns="71437" bIns="71437" anchor="ctr">
+          <a:bodyPr wrap="square" lIns="71437" tIns="71437" rIns="71437" bIns="71437" anchor="ctr">
             <a:spAutoFit/>
           </a:bodyPr>
           <a:lstStyle/>
           <a:p>
-            <a:pPr algn="r">
+            <a:pPr algn="l">
               <a:defRPr sz="2000" b="0">
                 <a:solidFill>
                   <a:srgbClr val="919191"/>
@@ -13004,19 +12952,6 @@
               <a:rPr lang="en-AU" dirty="0"/>
               <a:t>/@</a:t>
             </a:r>
-          </a:p>
-          <a:p>
-            <a:pPr algn="r">
-              <a:defRPr sz="2000" b="0">
-                <a:solidFill>
-                  <a:srgbClr val="919191"/>
-                </a:solidFill>
-                <a:latin typeface="Montserrat Medium"/>
-                <a:ea typeface="Montserrat Medium"/>
-                <a:cs typeface="Montserrat Medium"/>
-                <a:sym typeface="Montserrat Medium"/>
-              </a:defRPr>
-            </a:pPr>
             <a:r>
               <a:rPr lang="en-AU" dirty="0" err="1"/>
               <a:t>barkiple</a:t>
@@ -13024,7 +12959,7 @@
             <a:endParaRPr lang="en-AU" dirty="0"/>
           </a:p>
           <a:p>
-            <a:pPr algn="r">
+            <a:pPr algn="l">
               <a:defRPr sz="2000" b="0">
                 <a:solidFill>
                   <a:srgbClr val="919191"/>
@@ -13070,6 +13005,98 @@
           <a:chExt cx="0" cy="0"/>
         </a:xfrm>
       </p:grpSpPr>
+      <p:sp>
+        <p:nvSpPr>
+          <p:cNvPr id="38" name="Shape 127">
+            <a:extLst>
+              <a:ext uri="{FF2B5EF4-FFF2-40B4-BE49-F238E27FC236}">
+                <a16:creationId xmlns:a16="http://schemas.microsoft.com/office/drawing/2014/main" id="{75E6DE54-4E19-4648-92BE-945F56D24C98}"/>
+              </a:ext>
+            </a:extLst>
+          </p:cNvPr>
+          <p:cNvSpPr/>
+          <p:nvPr/>
+        </p:nvSpPr>
+        <p:spPr>
+          <a:xfrm>
+            <a:off x="15225822" y="12745045"/>
+            <a:ext cx="11953988" cy="759822"/>
+          </a:xfrm>
+          <a:prstGeom prst="rect">
+            <a:avLst/>
+          </a:prstGeom>
+          <a:ln w="12700">
+            <a:miter lim="400000"/>
+          </a:ln>
+          <a:extLst>
+            <a:ext uri="{C572A759-6A51-4108-AA02-DFA0A04FC94B}">
+              <ma14:wrappingTextBoxFlag xmlns:ma14="http://schemas.microsoft.com/office/mac/drawingml/2011/main" xmlns="" val="1"/>
+            </a:ext>
+          </a:extLst>
+        </p:spPr>
+        <p:txBody>
+          <a:bodyPr wrap="square" lIns="71437" tIns="71437" rIns="71437" bIns="71437" anchor="ctr">
+            <a:spAutoFit/>
+          </a:bodyPr>
+          <a:lstStyle/>
+          <a:p>
+            <a:pPr algn="l">
+              <a:defRPr sz="2000" b="0">
+                <a:solidFill>
+                  <a:srgbClr val="919191"/>
+                </a:solidFill>
+                <a:latin typeface="Montserrat Medium"/>
+                <a:ea typeface="Montserrat Medium"/>
+                <a:cs typeface="Montserrat Medium"/>
+                <a:sym typeface="Montserrat Medium"/>
+              </a:defRPr>
+            </a:pPr>
+            <a:r>
+              <a:rPr dirty="0"/>
+              <a:t>Image Attribution:</a:t>
+            </a:r>
+            <a:r>
+              <a:rPr lang="en-AU" dirty="0"/>
+              <a:t> John </a:t>
+            </a:r>
+            <a:r>
+              <a:rPr lang="en-AU" dirty="0" err="1"/>
+              <a:t>Barkiple</a:t>
+            </a:r>
+            <a:r>
+              <a:rPr lang="en-AU" dirty="0"/>
+              <a:t>, https://</a:t>
+            </a:r>
+            <a:r>
+              <a:rPr lang="en-AU" dirty="0" err="1"/>
+              <a:t>unsplash.com</a:t>
+            </a:r>
+            <a:r>
+              <a:rPr lang="en-AU" dirty="0"/>
+              <a:t>/@</a:t>
+            </a:r>
+            <a:r>
+              <a:rPr lang="en-AU" dirty="0" err="1"/>
+              <a:t>barkiple</a:t>
+            </a:r>
+            <a:endParaRPr lang="en-AU" dirty="0"/>
+          </a:p>
+          <a:p>
+            <a:pPr algn="l">
+              <a:defRPr sz="2000" b="0">
+                <a:solidFill>
+                  <a:srgbClr val="919191"/>
+                </a:solidFill>
+                <a:latin typeface="Montserrat Medium"/>
+                <a:ea typeface="Montserrat Medium"/>
+                <a:cs typeface="Montserrat Medium"/>
+                <a:sym typeface="Montserrat Medium"/>
+              </a:defRPr>
+            </a:pPr>
+            <a:endParaRPr lang="en-AU" dirty="0"/>
+          </a:p>
+        </p:txBody>
+      </p:sp>
       <p:pic>
         <p:nvPicPr>
           <p:cNvPr id="37" name="Picture 36">
@@ -14917,111 +14944,6 @@
           </a:p>
         </p:txBody>
       </p:sp>
-      <p:sp>
-        <p:nvSpPr>
-          <p:cNvPr id="39" name="Shape 127">
-            <a:extLst>
-              <a:ext uri="{FF2B5EF4-FFF2-40B4-BE49-F238E27FC236}">
-                <a16:creationId xmlns:a16="http://schemas.microsoft.com/office/drawing/2014/main" id="{73FCF357-599D-3C46-9C78-B85757C78479}"/>
-              </a:ext>
-            </a:extLst>
-          </p:cNvPr>
-          <p:cNvSpPr/>
-          <p:nvPr/>
-        </p:nvSpPr>
-        <p:spPr>
-          <a:xfrm>
-            <a:off x="16218246" y="12351216"/>
-            <a:ext cx="7646388" cy="1067599"/>
-          </a:xfrm>
-          <a:prstGeom prst="rect">
-            <a:avLst/>
-          </a:prstGeom>
-          <a:ln w="12700">
-            <a:miter lim="400000"/>
-          </a:ln>
-          <a:extLst>
-            <a:ext uri="{C572A759-6A51-4108-AA02-DFA0A04FC94B}">
-              <ma14:wrappingTextBoxFlag xmlns:ma14="http://schemas.microsoft.com/office/mac/drawingml/2011/main" xmlns="" val="1"/>
-            </a:ext>
-          </a:extLst>
-        </p:spPr>
-        <p:txBody>
-          <a:bodyPr wrap="none" lIns="71437" tIns="71437" rIns="71437" bIns="71437" anchor="ctr">
-            <a:spAutoFit/>
-          </a:bodyPr>
-          <a:lstStyle/>
-          <a:p>
-            <a:pPr algn="r">
-              <a:defRPr sz="2000" b="0">
-                <a:solidFill>
-                  <a:srgbClr val="919191"/>
-                </a:solidFill>
-                <a:latin typeface="Montserrat Medium"/>
-                <a:ea typeface="Montserrat Medium"/>
-                <a:cs typeface="Montserrat Medium"/>
-                <a:sym typeface="Montserrat Medium"/>
-              </a:defRPr>
-            </a:pPr>
-            <a:r>
-              <a:rPr dirty="0"/>
-              <a:t>Image Attribution:</a:t>
-            </a:r>
-            <a:r>
-              <a:rPr lang="en-AU" dirty="0"/>
-              <a:t> John </a:t>
-            </a:r>
-            <a:r>
-              <a:rPr lang="en-AU" dirty="0" err="1"/>
-              <a:t>Barkiple</a:t>
-            </a:r>
-            <a:r>
-              <a:rPr lang="en-AU" dirty="0"/>
-              <a:t>, https://</a:t>
-            </a:r>
-            <a:r>
-              <a:rPr lang="en-AU" dirty="0" err="1"/>
-              <a:t>unsplash.com</a:t>
-            </a:r>
-            <a:r>
-              <a:rPr lang="en-AU" dirty="0"/>
-              <a:t>/@</a:t>
-            </a:r>
-          </a:p>
-          <a:p>
-            <a:pPr algn="r">
-              <a:defRPr sz="2000" b="0">
-                <a:solidFill>
-                  <a:srgbClr val="919191"/>
-                </a:solidFill>
-                <a:latin typeface="Montserrat Medium"/>
-                <a:ea typeface="Montserrat Medium"/>
-                <a:cs typeface="Montserrat Medium"/>
-                <a:sym typeface="Montserrat Medium"/>
-              </a:defRPr>
-            </a:pPr>
-            <a:r>
-              <a:rPr lang="en-AU" dirty="0" err="1"/>
-              <a:t>barkiple</a:t>
-            </a:r>
-            <a:endParaRPr lang="en-AU" dirty="0"/>
-          </a:p>
-          <a:p>
-            <a:pPr algn="r">
-              <a:defRPr sz="2000" b="0">
-                <a:solidFill>
-                  <a:srgbClr val="919191"/>
-                </a:solidFill>
-                <a:latin typeface="Montserrat Medium"/>
-                <a:ea typeface="Montserrat Medium"/>
-                <a:cs typeface="Montserrat Medium"/>
-                <a:sym typeface="Montserrat Medium"/>
-              </a:defRPr>
-            </a:pPr>
-            <a:endParaRPr lang="en-AU" dirty="0"/>
-          </a:p>
-        </p:txBody>
-      </p:sp>
     </p:spTree>
     <p:extLst>
       <p:ext uri="{BB962C8B-B14F-4D97-AF65-F5344CB8AC3E}">
@@ -15055,10 +14977,10 @@
       </p:grpSpPr>
       <p:sp>
         <p:nvSpPr>
-          <p:cNvPr id="39" name="Shape 127">
+          <p:cNvPr id="38" name="Shape 127">
             <a:extLst>
               <a:ext uri="{FF2B5EF4-FFF2-40B4-BE49-F238E27FC236}">
-                <a16:creationId xmlns:a16="http://schemas.microsoft.com/office/drawing/2014/main" id="{73FCF357-599D-3C46-9C78-B85757C78479}"/>
+                <a16:creationId xmlns:a16="http://schemas.microsoft.com/office/drawing/2014/main" id="{7471B5B8-D152-AE4F-8547-56E283EBF67A}"/>
               </a:ext>
             </a:extLst>
           </p:cNvPr>
@@ -15067,8 +14989,8 @@
         </p:nvSpPr>
         <p:spPr>
           <a:xfrm>
-            <a:off x="16218246" y="12351216"/>
-            <a:ext cx="7646388" cy="1067599"/>
+            <a:off x="15225822" y="12745045"/>
+            <a:ext cx="11953988" cy="759822"/>
           </a:xfrm>
           <a:prstGeom prst="rect">
             <a:avLst/>
@@ -15078,17 +15000,17 @@
           </a:ln>
           <a:extLst>
             <a:ext uri="{C572A759-6A51-4108-AA02-DFA0A04FC94B}">
-              <ma14:wrappingTextBoxFlag xmlns="" xmlns:ma14="http://schemas.microsoft.com/office/mac/drawingml/2011/main" val="1"/>
+              <ma14:wrappingTextBoxFlag xmlns:ma14="http://schemas.microsoft.com/office/mac/drawingml/2011/main" xmlns="" val="1"/>
             </a:ext>
           </a:extLst>
         </p:spPr>
         <p:txBody>
-          <a:bodyPr wrap="none" lIns="71437" tIns="71437" rIns="71437" bIns="71437" anchor="ctr">
+          <a:bodyPr wrap="square" lIns="71437" tIns="71437" rIns="71437" bIns="71437" anchor="ctr">
             <a:spAutoFit/>
           </a:bodyPr>
           <a:lstStyle/>
           <a:p>
-            <a:pPr algn="r">
+            <a:pPr algn="l">
               <a:defRPr sz="2000" b="0">
                 <a:solidFill>
                   <a:srgbClr val="919191"/>
@@ -15123,19 +15045,6 @@
               <a:rPr lang="en-AU" dirty="0"/>
               <a:t>/@</a:t>
             </a:r>
-          </a:p>
-          <a:p>
-            <a:pPr algn="r">
-              <a:defRPr sz="2000" b="0">
-                <a:solidFill>
-                  <a:srgbClr val="919191"/>
-                </a:solidFill>
-                <a:latin typeface="Montserrat Medium"/>
-                <a:ea typeface="Montserrat Medium"/>
-                <a:cs typeface="Montserrat Medium"/>
-                <a:sym typeface="Montserrat Medium"/>
-              </a:defRPr>
-            </a:pPr>
             <a:r>
               <a:rPr lang="en-AU" dirty="0" err="1"/>
               <a:t>barkiple</a:t>
@@ -15143,7 +15052,7 @@
             <a:endParaRPr lang="en-AU" dirty="0"/>
           </a:p>
           <a:p>
-            <a:pPr algn="r">
+            <a:pPr algn="l">
               <a:defRPr sz="2000" b="0">
                 <a:solidFill>
                   <a:srgbClr val="919191"/>
@@ -17039,10 +16948,10 @@
       </p:grpSpPr>
       <p:sp>
         <p:nvSpPr>
-          <p:cNvPr id="39" name="Shape 127">
+          <p:cNvPr id="38" name="Shape 127">
             <a:extLst>
               <a:ext uri="{FF2B5EF4-FFF2-40B4-BE49-F238E27FC236}">
-                <a16:creationId xmlns:a16="http://schemas.microsoft.com/office/drawing/2014/main" id="{73FCF357-599D-3C46-9C78-B85757C78479}"/>
+                <a16:creationId xmlns:a16="http://schemas.microsoft.com/office/drawing/2014/main" id="{4F0D7970-DC09-E24A-AE51-5F49350DFCE1}"/>
               </a:ext>
             </a:extLst>
           </p:cNvPr>
@@ -17051,8 +16960,8 @@
         </p:nvSpPr>
         <p:spPr>
           <a:xfrm>
-            <a:off x="16218246" y="12351216"/>
-            <a:ext cx="7646388" cy="1067599"/>
+            <a:off x="15225822" y="12745045"/>
+            <a:ext cx="11953988" cy="759822"/>
           </a:xfrm>
           <a:prstGeom prst="rect">
             <a:avLst/>
@@ -17067,12 +16976,12 @@
           </a:extLst>
         </p:spPr>
         <p:txBody>
-          <a:bodyPr wrap="none" lIns="71437" tIns="71437" rIns="71437" bIns="71437" anchor="ctr">
+          <a:bodyPr wrap="square" lIns="71437" tIns="71437" rIns="71437" bIns="71437" anchor="ctr">
             <a:spAutoFit/>
           </a:bodyPr>
           <a:lstStyle/>
           <a:p>
-            <a:pPr algn="r">
+            <a:pPr algn="l">
               <a:defRPr sz="2000" b="0">
                 <a:solidFill>
                   <a:srgbClr val="919191"/>
@@ -17107,19 +17016,6 @@
               <a:rPr lang="en-AU" dirty="0"/>
               <a:t>/@</a:t>
             </a:r>
-          </a:p>
-          <a:p>
-            <a:pPr algn="r">
-              <a:defRPr sz="2000" b="0">
-                <a:solidFill>
-                  <a:srgbClr val="919191"/>
-                </a:solidFill>
-                <a:latin typeface="Montserrat Medium"/>
-                <a:ea typeface="Montserrat Medium"/>
-                <a:cs typeface="Montserrat Medium"/>
-                <a:sym typeface="Montserrat Medium"/>
-              </a:defRPr>
-            </a:pPr>
             <a:r>
               <a:rPr lang="en-AU" dirty="0" err="1"/>
               <a:t>barkiple</a:t>
@@ -17127,7 +17023,7 @@
             <a:endParaRPr lang="en-AU" dirty="0"/>
           </a:p>
           <a:p>
-            <a:pPr algn="r">
+            <a:pPr algn="l">
               <a:defRPr sz="2000" b="0">
                 <a:solidFill>
                   <a:srgbClr val="919191"/>
